--- a/Clase1/Programa 192.pptx
+++ b/Clase1/Programa 192.pptx
@@ -1085,7 +1085,7 @@
         </p:nvSpPr>
         <p:spPr>
           <a:xfrm>
-            <a:off x="381300" y="685800"/>
+            <a:off x="381000" y="685800"/>
             <a:ext cx="6096000" cy="3429000"/>
           </a:xfrm>
           <a:custGeom>
@@ -1189,7 +1189,7 @@
         </p:nvSpPr>
         <p:spPr>
           <a:xfrm>
-            <a:off x="381300" y="685800"/>
+            <a:off x="381000" y="685800"/>
             <a:ext cx="6096000" cy="3429000"/>
           </a:xfrm>
           <a:custGeom>
@@ -1293,7 +1293,7 @@
         </p:nvSpPr>
         <p:spPr>
           <a:xfrm>
-            <a:off x="381300" y="685800"/>
+            <a:off x="381000" y="685800"/>
             <a:ext cx="6096000" cy="3429000"/>
           </a:xfrm>
           <a:custGeom>
@@ -1397,7 +1397,7 @@
         </p:nvSpPr>
         <p:spPr>
           <a:xfrm>
-            <a:off x="381300" y="685800"/>
+            <a:off x="381000" y="685800"/>
             <a:ext cx="6096000" cy="3429000"/>
           </a:xfrm>
           <a:custGeom>
@@ -1501,7 +1501,7 @@
         </p:nvSpPr>
         <p:spPr>
           <a:xfrm>
-            <a:off x="381300" y="685800"/>
+            <a:off x="381000" y="685800"/>
             <a:ext cx="6096000" cy="3429000"/>
           </a:xfrm>
           <a:custGeom>
@@ -1605,7 +1605,7 @@
         </p:nvSpPr>
         <p:spPr>
           <a:xfrm>
-            <a:off x="381300" y="685800"/>
+            <a:off x="381000" y="685800"/>
             <a:ext cx="6096000" cy="3429000"/>
           </a:xfrm>
           <a:custGeom>
@@ -10402,6 +10402,84 @@
           </a:ln>
         </p:spPr>
       </p:pic>
+      <p:sp>
+        <p:nvSpPr>
+          <p:cNvPr id="2" name="Rectángulo 1"/>
+          <p:cNvSpPr/>
+          <p:nvPr/>
+        </p:nvSpPr>
+        <p:spPr>
+          <a:xfrm>
+            <a:off x="944137" y="944137"/>
+            <a:ext cx="3627863" cy="3947531"/>
+          </a:xfrm>
+          <a:prstGeom prst="rect">
+            <a:avLst/>
+          </a:prstGeom>
+          <a:solidFill>
+            <a:srgbClr val="0070C0">
+              <a:alpha val="10196"/>
+            </a:srgbClr>
+          </a:solidFill>
+          <a:ln>
+            <a:noFill/>
+          </a:ln>
+        </p:spPr>
+        <p:style>
+          <a:lnRef idx="2">
+            <a:schemeClr val="accent1">
+              <a:shade val="50000"/>
+            </a:schemeClr>
+          </a:lnRef>
+          <a:fillRef idx="1">
+            <a:schemeClr val="accent1"/>
+          </a:fillRef>
+          <a:effectRef idx="0">
+            <a:schemeClr val="accent1"/>
+          </a:effectRef>
+          <a:fontRef idx="minor">
+            <a:schemeClr val="lt1"/>
+          </a:fontRef>
+        </p:style>
+        <p:txBody>
+          <a:bodyPr rtlCol="0" anchor="ctr"/>
+          <a:lstStyle/>
+          <a:p>
+            <a:pPr algn="ctr"/>
+            <a:endParaRPr lang="es-CO"/>
+          </a:p>
+        </p:txBody>
+      </p:sp>
+      <p:sp>
+        <p:nvSpPr>
+          <p:cNvPr id="3" name="CuadroTexto 2"/>
+          <p:cNvSpPr txBox="1"/>
+          <p:nvPr/>
+        </p:nvSpPr>
+        <p:spPr>
+          <a:xfrm>
+            <a:off x="944137" y="944137"/>
+            <a:ext cx="1330712" cy="307777"/>
+          </a:xfrm>
+          <a:prstGeom prst="rect">
+            <a:avLst/>
+          </a:prstGeom>
+          <a:noFill/>
+        </p:spPr>
+        <p:txBody>
+          <a:bodyPr wrap="square" rtlCol="0">
+            <a:spAutoFit/>
+          </a:bodyPr>
+          <a:lstStyle/>
+          <a:p>
+            <a:r>
+              <a:rPr lang="es-ES" dirty="0" smtClean="0"/>
+              <a:t>INTRANET</a:t>
+            </a:r>
+            <a:endParaRPr lang="es-CO" dirty="0"/>
+          </a:p>
+        </p:txBody>
+      </p:sp>
     </p:spTree>
   </p:cSld>
   <p:clrMapOvr>
@@ -10504,6 +10582,84 @@
           </a:ln>
         </p:spPr>
       </p:pic>
+      <p:sp>
+        <p:nvSpPr>
+          <p:cNvPr id="4" name="Rectángulo 3"/>
+          <p:cNvSpPr/>
+          <p:nvPr/>
+        </p:nvSpPr>
+        <p:spPr>
+          <a:xfrm>
+            <a:off x="944137" y="944137"/>
+            <a:ext cx="3627863" cy="3947531"/>
+          </a:xfrm>
+          <a:prstGeom prst="rect">
+            <a:avLst/>
+          </a:prstGeom>
+          <a:solidFill>
+            <a:srgbClr val="0070C0">
+              <a:alpha val="10196"/>
+            </a:srgbClr>
+          </a:solidFill>
+          <a:ln>
+            <a:noFill/>
+          </a:ln>
+        </p:spPr>
+        <p:style>
+          <a:lnRef idx="2">
+            <a:schemeClr val="accent1">
+              <a:shade val="50000"/>
+            </a:schemeClr>
+          </a:lnRef>
+          <a:fillRef idx="1">
+            <a:schemeClr val="accent1"/>
+          </a:fillRef>
+          <a:effectRef idx="0">
+            <a:schemeClr val="accent1"/>
+          </a:effectRef>
+          <a:fontRef idx="minor">
+            <a:schemeClr val="lt1"/>
+          </a:fontRef>
+        </p:style>
+        <p:txBody>
+          <a:bodyPr rtlCol="0" anchor="ctr"/>
+          <a:lstStyle/>
+          <a:p>
+            <a:pPr algn="ctr"/>
+            <a:endParaRPr lang="es-CO"/>
+          </a:p>
+        </p:txBody>
+      </p:sp>
+      <p:sp>
+        <p:nvSpPr>
+          <p:cNvPr id="5" name="CuadroTexto 4"/>
+          <p:cNvSpPr txBox="1"/>
+          <p:nvPr/>
+        </p:nvSpPr>
+        <p:spPr>
+          <a:xfrm>
+            <a:off x="944137" y="944137"/>
+            <a:ext cx="1330712" cy="307777"/>
+          </a:xfrm>
+          <a:prstGeom prst="rect">
+            <a:avLst/>
+          </a:prstGeom>
+          <a:noFill/>
+        </p:spPr>
+        <p:txBody>
+          <a:bodyPr wrap="square" rtlCol="0">
+            <a:spAutoFit/>
+          </a:bodyPr>
+          <a:lstStyle/>
+          <a:p>
+            <a:r>
+              <a:rPr lang="es-ES" dirty="0" smtClean="0"/>
+              <a:t>INTRANET</a:t>
+            </a:r>
+            <a:endParaRPr lang="es-CO" dirty="0"/>
+          </a:p>
+        </p:txBody>
+      </p:sp>
     </p:spTree>
   </p:cSld>
   <p:clrMapOvr>
@@ -10606,6 +10762,84 @@
           </a:ln>
         </p:spPr>
       </p:pic>
+      <p:sp>
+        <p:nvSpPr>
+          <p:cNvPr id="4" name="Rectángulo 3"/>
+          <p:cNvSpPr/>
+          <p:nvPr/>
+        </p:nvSpPr>
+        <p:spPr>
+          <a:xfrm>
+            <a:off x="944137" y="944137"/>
+            <a:ext cx="3627863" cy="3947531"/>
+          </a:xfrm>
+          <a:prstGeom prst="rect">
+            <a:avLst/>
+          </a:prstGeom>
+          <a:solidFill>
+            <a:srgbClr val="0070C0">
+              <a:alpha val="10196"/>
+            </a:srgbClr>
+          </a:solidFill>
+          <a:ln>
+            <a:noFill/>
+          </a:ln>
+        </p:spPr>
+        <p:style>
+          <a:lnRef idx="2">
+            <a:schemeClr val="accent1">
+              <a:shade val="50000"/>
+            </a:schemeClr>
+          </a:lnRef>
+          <a:fillRef idx="1">
+            <a:schemeClr val="accent1"/>
+          </a:fillRef>
+          <a:effectRef idx="0">
+            <a:schemeClr val="accent1"/>
+          </a:effectRef>
+          <a:fontRef idx="minor">
+            <a:schemeClr val="lt1"/>
+          </a:fontRef>
+        </p:style>
+        <p:txBody>
+          <a:bodyPr rtlCol="0" anchor="ctr"/>
+          <a:lstStyle/>
+          <a:p>
+            <a:pPr algn="ctr"/>
+            <a:endParaRPr lang="es-CO"/>
+          </a:p>
+        </p:txBody>
+      </p:sp>
+      <p:sp>
+        <p:nvSpPr>
+          <p:cNvPr id="5" name="CuadroTexto 4"/>
+          <p:cNvSpPr txBox="1"/>
+          <p:nvPr/>
+        </p:nvSpPr>
+        <p:spPr>
+          <a:xfrm>
+            <a:off x="944137" y="944137"/>
+            <a:ext cx="1330712" cy="307777"/>
+          </a:xfrm>
+          <a:prstGeom prst="rect">
+            <a:avLst/>
+          </a:prstGeom>
+          <a:noFill/>
+        </p:spPr>
+        <p:txBody>
+          <a:bodyPr wrap="square" rtlCol="0">
+            <a:spAutoFit/>
+          </a:bodyPr>
+          <a:lstStyle/>
+          <a:p>
+            <a:r>
+              <a:rPr lang="es-ES" dirty="0" smtClean="0"/>
+              <a:t>INTRANET</a:t>
+            </a:r>
+            <a:endParaRPr lang="es-CO" dirty="0"/>
+          </a:p>
+        </p:txBody>
+      </p:sp>
     </p:spTree>
   </p:cSld>
   <p:clrMapOvr>
@@ -10708,6 +10942,84 @@
           </a:ln>
         </p:spPr>
       </p:pic>
+      <p:sp>
+        <p:nvSpPr>
+          <p:cNvPr id="4" name="Rectángulo 3"/>
+          <p:cNvSpPr/>
+          <p:nvPr/>
+        </p:nvSpPr>
+        <p:spPr>
+          <a:xfrm>
+            <a:off x="944137" y="944137"/>
+            <a:ext cx="3627863" cy="3947531"/>
+          </a:xfrm>
+          <a:prstGeom prst="rect">
+            <a:avLst/>
+          </a:prstGeom>
+          <a:solidFill>
+            <a:srgbClr val="0070C0">
+              <a:alpha val="10196"/>
+            </a:srgbClr>
+          </a:solidFill>
+          <a:ln>
+            <a:noFill/>
+          </a:ln>
+        </p:spPr>
+        <p:style>
+          <a:lnRef idx="2">
+            <a:schemeClr val="accent1">
+              <a:shade val="50000"/>
+            </a:schemeClr>
+          </a:lnRef>
+          <a:fillRef idx="1">
+            <a:schemeClr val="accent1"/>
+          </a:fillRef>
+          <a:effectRef idx="0">
+            <a:schemeClr val="accent1"/>
+          </a:effectRef>
+          <a:fontRef idx="minor">
+            <a:schemeClr val="lt1"/>
+          </a:fontRef>
+        </p:style>
+        <p:txBody>
+          <a:bodyPr rtlCol="0" anchor="ctr"/>
+          <a:lstStyle/>
+          <a:p>
+            <a:pPr algn="ctr"/>
+            <a:endParaRPr lang="es-CO"/>
+          </a:p>
+        </p:txBody>
+      </p:sp>
+      <p:sp>
+        <p:nvSpPr>
+          <p:cNvPr id="5" name="CuadroTexto 4"/>
+          <p:cNvSpPr txBox="1"/>
+          <p:nvPr/>
+        </p:nvSpPr>
+        <p:spPr>
+          <a:xfrm>
+            <a:off x="944137" y="944137"/>
+            <a:ext cx="1330712" cy="307777"/>
+          </a:xfrm>
+          <a:prstGeom prst="rect">
+            <a:avLst/>
+          </a:prstGeom>
+          <a:noFill/>
+        </p:spPr>
+        <p:txBody>
+          <a:bodyPr wrap="square" rtlCol="0">
+            <a:spAutoFit/>
+          </a:bodyPr>
+          <a:lstStyle/>
+          <a:p>
+            <a:r>
+              <a:rPr lang="es-ES" dirty="0" smtClean="0"/>
+              <a:t>INTRANET</a:t>
+            </a:r>
+            <a:endParaRPr lang="es-CO" dirty="0"/>
+          </a:p>
+        </p:txBody>
+      </p:sp>
     </p:spTree>
   </p:cSld>
   <p:clrMapOvr>
